--- a/FancyStruktur.pptx
+++ b/FancyStruktur.pptx
@@ -3515,6 +3515,487 @@
           </a:p>
         </p:txBody>
       </p:sp>
+      <p:sp>
+        <p:nvSpPr>
+          <p:cNvPr id="9" name="Freihandform: Form 8">
+            <a:extLst>
+              <a:ext uri="{FF2B5EF4-FFF2-40B4-BE49-F238E27FC236}">
+                <a16:creationId xmlns:a16="http://schemas.microsoft.com/office/drawing/2014/main" id="{C291BE46-92EB-440D-B4B6-F3751816CB35}"/>
+              </a:ext>
+            </a:extLst>
+          </p:cNvPr>
+          <p:cNvSpPr/>
+          <p:nvPr/>
+        </p:nvSpPr>
+        <p:spPr>
+          <a:xfrm>
+            <a:off x="3599935" y="4540318"/>
+            <a:ext cx="7063946" cy="1444471"/>
+          </a:xfrm>
+          <a:custGeom>
+            <a:avLst/>
+            <a:gdLst>
+              <a:gd name="connsiteX0" fmla="*/ 0 w 7063946"/>
+              <a:gd name="connsiteY0" fmla="*/ 1444471 h 1444471"/>
+              <a:gd name="connsiteX1" fmla="*/ 1507524 w 7063946"/>
+              <a:gd name="connsiteY1" fmla="*/ 31682 h 1444471"/>
+              <a:gd name="connsiteX2" fmla="*/ 4378411 w 7063946"/>
+              <a:gd name="connsiteY2" fmla="*/ 534190 h 1444471"/>
+              <a:gd name="connsiteX3" fmla="*/ 7063946 w 7063946"/>
+              <a:gd name="connsiteY3" fmla="*/ 1374450 h 1444471"/>
+            </a:gdLst>
+            <a:ahLst/>
+            <a:cxnLst>
+              <a:cxn ang="0">
+                <a:pos x="connsiteX0" y="connsiteY0"/>
+              </a:cxn>
+              <a:cxn ang="0">
+                <a:pos x="connsiteX1" y="connsiteY1"/>
+              </a:cxn>
+              <a:cxn ang="0">
+                <a:pos x="connsiteX2" y="connsiteY2"/>
+              </a:cxn>
+              <a:cxn ang="0">
+                <a:pos x="connsiteX3" y="connsiteY3"/>
+              </a:cxn>
+            </a:cxnLst>
+            <a:rect l="l" t="t" r="r" b="b"/>
+            <a:pathLst>
+              <a:path w="7063946" h="1444471">
+                <a:moveTo>
+                  <a:pt x="0" y="1444471"/>
+                </a:moveTo>
+                <a:cubicBezTo>
+                  <a:pt x="388894" y="813933"/>
+                  <a:pt x="777789" y="183396"/>
+                  <a:pt x="1507524" y="31682"/>
+                </a:cubicBezTo>
+                <a:cubicBezTo>
+                  <a:pt x="2237259" y="-120032"/>
+                  <a:pt x="3452341" y="310395"/>
+                  <a:pt x="4378411" y="534190"/>
+                </a:cubicBezTo>
+                <a:cubicBezTo>
+                  <a:pt x="5304481" y="757985"/>
+                  <a:pt x="6184213" y="1066217"/>
+                  <a:pt x="7063946" y="1374450"/>
+                </a:cubicBezTo>
+              </a:path>
+            </a:pathLst>
+          </a:custGeom>
+          <a:noFill/>
+        </p:spPr>
+        <p:style>
+          <a:lnRef idx="2">
+            <a:schemeClr val="accent1">
+              <a:shade val="50000"/>
+            </a:schemeClr>
+          </a:lnRef>
+          <a:fillRef idx="1">
+            <a:schemeClr val="accent1"/>
+          </a:fillRef>
+          <a:effectRef idx="0">
+            <a:schemeClr val="accent1"/>
+          </a:effectRef>
+          <a:fontRef idx="minor">
+            <a:schemeClr val="lt1"/>
+          </a:fontRef>
+        </p:style>
+        <p:txBody>
+          <a:bodyPr rtlCol="0" anchor="ctr"/>
+          <a:lstStyle/>
+          <a:p>
+            <a:pPr algn="ctr"/>
+            <a:endParaRPr lang="de-DE"/>
+          </a:p>
+        </p:txBody>
+      </p:sp>
+      <p:cxnSp>
+        <p:nvCxnSpPr>
+          <p:cNvPr id="11" name="Gerade Verbindung mit Pfeil 10">
+            <a:extLst>
+              <a:ext uri="{FF2B5EF4-FFF2-40B4-BE49-F238E27FC236}">
+                <a16:creationId xmlns:a16="http://schemas.microsoft.com/office/drawing/2014/main" id="{C7BBF6C5-B510-4F3C-BE2F-1A0580045FE9}"/>
+              </a:ext>
+            </a:extLst>
+          </p:cNvPr>
+          <p:cNvCxnSpPr>
+            <a:cxnSpLocks/>
+          </p:cNvCxnSpPr>
+          <p:nvPr/>
+        </p:nvCxnSpPr>
+        <p:spPr>
+          <a:xfrm flipV="1">
+            <a:off x="3480486" y="5262553"/>
+            <a:ext cx="411892" cy="676928"/>
+          </a:xfrm>
+          <a:prstGeom prst="straightConnector1">
+            <a:avLst/>
+          </a:prstGeom>
+          <a:ln>
+            <a:tailEnd type="triangle"/>
+          </a:ln>
+        </p:spPr>
+        <p:style>
+          <a:lnRef idx="1">
+            <a:schemeClr val="accent1"/>
+          </a:lnRef>
+          <a:fillRef idx="0">
+            <a:schemeClr val="accent1"/>
+          </a:fillRef>
+          <a:effectRef idx="0">
+            <a:schemeClr val="accent1"/>
+          </a:effectRef>
+          <a:fontRef idx="minor">
+            <a:schemeClr val="tx1"/>
+          </a:fontRef>
+        </p:style>
+      </p:cxnSp>
+      <p:sp>
+        <p:nvSpPr>
+          <p:cNvPr id="13" name="Textfeld 12">
+            <a:extLst>
+              <a:ext uri="{FF2B5EF4-FFF2-40B4-BE49-F238E27FC236}">
+                <a16:creationId xmlns:a16="http://schemas.microsoft.com/office/drawing/2014/main" id="{BFEE1CB3-97BF-450C-863E-FBC7AA8E6360}"/>
+              </a:ext>
+            </a:extLst>
+          </p:cNvPr>
+          <p:cNvSpPr txBox="1"/>
+          <p:nvPr/>
+        </p:nvSpPr>
+        <p:spPr>
+          <a:xfrm>
+            <a:off x="3402994" y="5316812"/>
+            <a:ext cx="274434" cy="369332"/>
+          </a:xfrm>
+          <a:prstGeom prst="rect">
+            <a:avLst/>
+          </a:prstGeom>
+          <a:noFill/>
+        </p:spPr>
+        <p:txBody>
+          <a:bodyPr wrap="none" rtlCol="0">
+            <a:spAutoFit/>
+          </a:bodyPr>
+          <a:lstStyle/>
+          <a:p>
+            <a:r>
+              <a:rPr lang="de-DE" dirty="0"/>
+              <a:t>s</a:t>
+            </a:r>
+          </a:p>
+        </p:txBody>
+      </p:sp>
+      <p:cxnSp>
+        <p:nvCxnSpPr>
+          <p:cNvPr id="15" name="Gerade Verbindung mit Pfeil 14">
+            <a:extLst>
+              <a:ext uri="{FF2B5EF4-FFF2-40B4-BE49-F238E27FC236}">
+                <a16:creationId xmlns:a16="http://schemas.microsoft.com/office/drawing/2014/main" id="{EDDEC414-870A-4DDE-8CD4-917877D5F6B7}"/>
+              </a:ext>
+            </a:extLst>
+          </p:cNvPr>
+          <p:cNvCxnSpPr/>
+          <p:nvPr/>
+        </p:nvCxnSpPr>
+        <p:spPr>
+          <a:xfrm flipH="1" flipV="1">
+            <a:off x="4209535" y="4485503"/>
+            <a:ext cx="263611" cy="366583"/>
+          </a:xfrm>
+          <a:prstGeom prst="straightConnector1">
+            <a:avLst/>
+          </a:prstGeom>
+          <a:ln>
+            <a:tailEnd type="triangle"/>
+          </a:ln>
+        </p:spPr>
+        <p:style>
+          <a:lnRef idx="1">
+            <a:schemeClr val="accent1"/>
+          </a:lnRef>
+          <a:fillRef idx="0">
+            <a:schemeClr val="accent1"/>
+          </a:fillRef>
+          <a:effectRef idx="0">
+            <a:schemeClr val="accent1"/>
+          </a:effectRef>
+          <a:fontRef idx="minor">
+            <a:schemeClr val="tx1"/>
+          </a:fontRef>
+        </p:style>
+      </p:cxnSp>
+      <p:sp>
+        <p:nvSpPr>
+          <p:cNvPr id="16" name="Textfeld 15">
+            <a:extLst>
+              <a:ext uri="{FF2B5EF4-FFF2-40B4-BE49-F238E27FC236}">
+                <a16:creationId xmlns:a16="http://schemas.microsoft.com/office/drawing/2014/main" id="{AAF78842-166C-4770-8A1F-CDC11AA96C53}"/>
+              </a:ext>
+            </a:extLst>
+          </p:cNvPr>
+          <p:cNvSpPr txBox="1"/>
+          <p:nvPr/>
+        </p:nvSpPr>
+        <p:spPr>
+          <a:xfrm>
+            <a:off x="4324912" y="4410396"/>
+            <a:ext cx="410690" cy="369332"/>
+          </a:xfrm>
+          <a:prstGeom prst="rect">
+            <a:avLst/>
+          </a:prstGeom>
+          <a:noFill/>
+        </p:spPr>
+        <p:txBody>
+          <a:bodyPr wrap="none" rtlCol="0">
+            <a:spAutoFit/>
+          </a:bodyPr>
+          <a:lstStyle/>
+          <a:p>
+            <a:r>
+              <a:rPr lang="de-DE" dirty="0" err="1"/>
+              <a:t>dy</a:t>
+            </a:r>
+            <a:endParaRPr lang="de-DE" dirty="0"/>
+          </a:p>
+        </p:txBody>
+      </p:sp>
+      <p:sp>
+        <p:nvSpPr>
+          <p:cNvPr id="17" name="Freihandform: Form 16">
+            <a:extLst>
+              <a:ext uri="{FF2B5EF4-FFF2-40B4-BE49-F238E27FC236}">
+                <a16:creationId xmlns:a16="http://schemas.microsoft.com/office/drawing/2014/main" id="{B9EA767C-5177-46BE-ABC7-F2D5A4D0DC4D}"/>
+              </a:ext>
+            </a:extLst>
+          </p:cNvPr>
+          <p:cNvSpPr/>
+          <p:nvPr/>
+        </p:nvSpPr>
+        <p:spPr>
+          <a:xfrm>
+            <a:off x="3754920" y="4791822"/>
+            <a:ext cx="7063946" cy="1444471"/>
+          </a:xfrm>
+          <a:custGeom>
+            <a:avLst/>
+            <a:gdLst>
+              <a:gd name="connsiteX0" fmla="*/ 0 w 7063946"/>
+              <a:gd name="connsiteY0" fmla="*/ 1444471 h 1444471"/>
+              <a:gd name="connsiteX1" fmla="*/ 1507524 w 7063946"/>
+              <a:gd name="connsiteY1" fmla="*/ 31682 h 1444471"/>
+              <a:gd name="connsiteX2" fmla="*/ 4378411 w 7063946"/>
+              <a:gd name="connsiteY2" fmla="*/ 534190 h 1444471"/>
+              <a:gd name="connsiteX3" fmla="*/ 7063946 w 7063946"/>
+              <a:gd name="connsiteY3" fmla="*/ 1374450 h 1444471"/>
+            </a:gdLst>
+            <a:ahLst/>
+            <a:cxnLst>
+              <a:cxn ang="0">
+                <a:pos x="connsiteX0" y="connsiteY0"/>
+              </a:cxn>
+              <a:cxn ang="0">
+                <a:pos x="connsiteX1" y="connsiteY1"/>
+              </a:cxn>
+              <a:cxn ang="0">
+                <a:pos x="connsiteX2" y="connsiteY2"/>
+              </a:cxn>
+              <a:cxn ang="0">
+                <a:pos x="connsiteX3" y="connsiteY3"/>
+              </a:cxn>
+            </a:cxnLst>
+            <a:rect l="l" t="t" r="r" b="b"/>
+            <a:pathLst>
+              <a:path w="7063946" h="1444471">
+                <a:moveTo>
+                  <a:pt x="0" y="1444471"/>
+                </a:moveTo>
+                <a:cubicBezTo>
+                  <a:pt x="388894" y="813933"/>
+                  <a:pt x="777789" y="183396"/>
+                  <a:pt x="1507524" y="31682"/>
+                </a:cubicBezTo>
+                <a:cubicBezTo>
+                  <a:pt x="2237259" y="-120032"/>
+                  <a:pt x="3452341" y="310395"/>
+                  <a:pt x="4378411" y="534190"/>
+                </a:cubicBezTo>
+                <a:cubicBezTo>
+                  <a:pt x="5304481" y="757985"/>
+                  <a:pt x="6184213" y="1066217"/>
+                  <a:pt x="7063946" y="1374450"/>
+                </a:cubicBezTo>
+              </a:path>
+            </a:pathLst>
+          </a:custGeom>
+          <a:noFill/>
+          <a:ln>
+            <a:solidFill>
+              <a:schemeClr val="tx1"/>
+            </a:solidFill>
+          </a:ln>
+        </p:spPr>
+        <p:style>
+          <a:lnRef idx="2">
+            <a:schemeClr val="accent1">
+              <a:shade val="50000"/>
+            </a:schemeClr>
+          </a:lnRef>
+          <a:fillRef idx="1">
+            <a:schemeClr val="accent1"/>
+          </a:fillRef>
+          <a:effectRef idx="0">
+            <a:schemeClr val="accent1"/>
+          </a:effectRef>
+          <a:fontRef idx="minor">
+            <a:schemeClr val="lt1"/>
+          </a:fontRef>
+        </p:style>
+        <p:txBody>
+          <a:bodyPr rtlCol="0" anchor="ctr"/>
+          <a:lstStyle/>
+          <a:p>
+            <a:pPr algn="ctr"/>
+            <a:endParaRPr lang="de-DE"/>
+          </a:p>
+        </p:txBody>
+      </p:sp>
+      <p:sp>
+        <p:nvSpPr>
+          <p:cNvPr id="18" name="Freihandform: Form 17">
+            <a:extLst>
+              <a:ext uri="{FF2B5EF4-FFF2-40B4-BE49-F238E27FC236}">
+                <a16:creationId xmlns:a16="http://schemas.microsoft.com/office/drawing/2014/main" id="{26C2AE4E-119F-409B-AE8C-22E51FB59D1B}"/>
+              </a:ext>
+            </a:extLst>
+          </p:cNvPr>
+          <p:cNvSpPr/>
+          <p:nvPr/>
+        </p:nvSpPr>
+        <p:spPr>
+          <a:xfrm>
+            <a:off x="3531207" y="4179200"/>
+            <a:ext cx="7063946" cy="1444471"/>
+          </a:xfrm>
+          <a:custGeom>
+            <a:avLst/>
+            <a:gdLst>
+              <a:gd name="connsiteX0" fmla="*/ 0 w 7063946"/>
+              <a:gd name="connsiteY0" fmla="*/ 1444471 h 1444471"/>
+              <a:gd name="connsiteX1" fmla="*/ 1507524 w 7063946"/>
+              <a:gd name="connsiteY1" fmla="*/ 31682 h 1444471"/>
+              <a:gd name="connsiteX2" fmla="*/ 4378411 w 7063946"/>
+              <a:gd name="connsiteY2" fmla="*/ 534190 h 1444471"/>
+              <a:gd name="connsiteX3" fmla="*/ 7063946 w 7063946"/>
+              <a:gd name="connsiteY3" fmla="*/ 1374450 h 1444471"/>
+            </a:gdLst>
+            <a:ahLst/>
+            <a:cxnLst>
+              <a:cxn ang="0">
+                <a:pos x="connsiteX0" y="connsiteY0"/>
+              </a:cxn>
+              <a:cxn ang="0">
+                <a:pos x="connsiteX1" y="connsiteY1"/>
+              </a:cxn>
+              <a:cxn ang="0">
+                <a:pos x="connsiteX2" y="connsiteY2"/>
+              </a:cxn>
+              <a:cxn ang="0">
+                <a:pos x="connsiteX3" y="connsiteY3"/>
+              </a:cxn>
+            </a:cxnLst>
+            <a:rect l="l" t="t" r="r" b="b"/>
+            <a:pathLst>
+              <a:path w="7063946" h="1444471">
+                <a:moveTo>
+                  <a:pt x="0" y="1444471"/>
+                </a:moveTo>
+                <a:cubicBezTo>
+                  <a:pt x="388894" y="813933"/>
+                  <a:pt x="777789" y="183396"/>
+                  <a:pt x="1507524" y="31682"/>
+                </a:cubicBezTo>
+                <a:cubicBezTo>
+                  <a:pt x="2237259" y="-120032"/>
+                  <a:pt x="3452341" y="310395"/>
+                  <a:pt x="4378411" y="534190"/>
+                </a:cubicBezTo>
+                <a:cubicBezTo>
+                  <a:pt x="5304481" y="757985"/>
+                  <a:pt x="6184213" y="1066217"/>
+                  <a:pt x="7063946" y="1374450"/>
+                </a:cubicBezTo>
+              </a:path>
+            </a:pathLst>
+          </a:custGeom>
+          <a:noFill/>
+          <a:ln>
+            <a:solidFill>
+              <a:schemeClr val="tx1"/>
+            </a:solidFill>
+          </a:ln>
+        </p:spPr>
+        <p:style>
+          <a:lnRef idx="2">
+            <a:schemeClr val="accent1">
+              <a:shade val="50000"/>
+            </a:schemeClr>
+          </a:lnRef>
+          <a:fillRef idx="1">
+            <a:schemeClr val="accent1"/>
+          </a:fillRef>
+          <a:effectRef idx="0">
+            <a:schemeClr val="accent1"/>
+          </a:effectRef>
+          <a:fontRef idx="minor">
+            <a:schemeClr val="lt1"/>
+          </a:fontRef>
+        </p:style>
+        <p:txBody>
+          <a:bodyPr rtlCol="0" anchor="ctr"/>
+          <a:lstStyle/>
+          <a:p>
+            <a:pPr algn="ctr"/>
+            <a:endParaRPr lang="de-DE"/>
+          </a:p>
+        </p:txBody>
+      </p:sp>
+      <p:sp>
+        <p:nvSpPr>
+          <p:cNvPr id="19" name="Textfeld 18">
+            <a:extLst>
+              <a:ext uri="{FF2B5EF4-FFF2-40B4-BE49-F238E27FC236}">
+                <a16:creationId xmlns:a16="http://schemas.microsoft.com/office/drawing/2014/main" id="{BE013892-BE6F-4667-8383-F84D9226F487}"/>
+              </a:ext>
+            </a:extLst>
+          </p:cNvPr>
+          <p:cNvSpPr txBox="1"/>
+          <p:nvPr/>
+        </p:nvSpPr>
+        <p:spPr>
+          <a:xfrm>
+            <a:off x="309348" y="4901435"/>
+            <a:ext cx="2297373" cy="369332"/>
+          </a:xfrm>
+          <a:prstGeom prst="rect">
+            <a:avLst/>
+          </a:prstGeom>
+          <a:noFill/>
+        </p:spPr>
+        <p:txBody>
+          <a:bodyPr wrap="square" rtlCol="0">
+            <a:spAutoFit/>
+          </a:bodyPr>
+          <a:lstStyle/>
+          <a:p>
+            <a:r>
+              <a:rPr lang="de-DE" dirty="0"/>
+              <a:t>Streckenmodell: </a:t>
+            </a:r>
+          </a:p>
+        </p:txBody>
+      </p:sp>
     </p:spTree>
     <p:extLst>
       <p:ext uri="{BB962C8B-B14F-4D97-AF65-F5344CB8AC3E}">
